--- a/sprint-3/team_review.pptx
+++ b/sprint-3/team_review.pptx
@@ -5583,8 +5583,8 @@
         </p:nvSpPr>
         <p:spPr>
           <a:xfrm>
-            <a:off x="311700" y="445025"/>
-            <a:ext cx="8520600" cy="572700"/>
+            <a:off x="240866" y="580083"/>
+            <a:ext cx="2959534" cy="572700"/>
           </a:xfrm>
           <a:prstGeom prst="rect">
             <a:avLst/>
@@ -5592,7 +5592,7 @@
         </p:spPr>
         <p:txBody>
           <a:bodyPr spcFirstLastPara="1" wrap="square" lIns="91425" tIns="91425" rIns="91425" bIns="91425" anchor="t" anchorCtr="0">
-            <a:normAutofit fontScale="90000"/>
+            <a:normAutofit/>
           </a:bodyPr>
           <a:lstStyle/>
           <a:p>
@@ -5606,10 +5606,10 @@
               <a:buNone/>
             </a:pPr>
             <a:r>
-              <a:rPr lang="en"/>
+              <a:rPr lang="en" sz="2000" b="1" dirty="0"/>
               <a:t>Team Review Meeting</a:t>
             </a:r>
-            <a:endParaRPr/>
+            <a:endParaRPr sz="2000" b="1" dirty="0"/>
           </a:p>
         </p:txBody>
       </p:sp>
@@ -5620,14 +5620,14 @@
           <p:nvPr>
             <p:extLst>
               <p:ext uri="{D42A27DB-BD31-4B8C-83A1-F6EECF244321}">
-                <p14:modId xmlns:p14="http://schemas.microsoft.com/office/powerpoint/2010/main" val="4101107171"/>
+                <p14:modId xmlns:p14="http://schemas.microsoft.com/office/powerpoint/2010/main" val="2504822718"/>
               </p:ext>
             </p:extLst>
           </p:nvPr>
         </p:nvGraphicFramePr>
         <p:xfrm>
-          <a:off x="453482" y="1249375"/>
-          <a:ext cx="8162694" cy="3657540"/>
+          <a:off x="311700" y="1152783"/>
+          <a:ext cx="8540922" cy="2651700"/>
         </p:xfrm>
         <a:graphic>
           <a:graphicData uri="http://schemas.openxmlformats.org/drawingml/2006/table">
@@ -5637,7 +5637,7 @@
                 <a:tableStyleId>{3EACB621-0D06-4155-B42C-C01728FB47A3}</a:tableStyleId>
               </a:tblPr>
               <a:tblGrid>
-                <a:gridCol w="4081347">
+                <a:gridCol w="4459575">
                   <a:extLst>
                     <a:ext uri="{9D8B030D-6E8A-4147-A177-3AD203B41FA5}">
                       <a16:colId xmlns:a16="http://schemas.microsoft.com/office/drawing/2014/main" val="20000"/>
@@ -5668,10 +5668,26 @@
                         <a:buNone/>
                       </a:pPr>
                       <a:r>
-                        <a:rPr lang="en" sz="1200" b="1" u="sng" dirty="0"/>
+                        <a:rPr lang="en-US" sz="1000" b="1" i="0" u="none" strike="noStrike" cap="none" dirty="0">
+                          <a:solidFill>
+                            <a:srgbClr val="000000"/>
+                          </a:solidFill>
+                          <a:latin typeface="Arial"/>
+                          <a:ea typeface="Arial"/>
+                          <a:cs typeface="Arial"/>
+                          <a:sym typeface="Arial"/>
+                        </a:rPr>
                         <a:t>Overview</a:t>
                       </a:r>
-                      <a:endParaRPr sz="1200" dirty="0"/>
+                      <a:endParaRPr lang="en-US" sz="1000" b="0" i="0" u="none" strike="noStrike" cap="none" dirty="0">
+                        <a:solidFill>
+                          <a:srgbClr val="000000"/>
+                        </a:solidFill>
+                        <a:latin typeface="Arial"/>
+                        <a:ea typeface="Arial"/>
+                        <a:cs typeface="Arial"/>
+                        <a:sym typeface="Arial"/>
+                      </a:endParaRPr>
                     </a:p>
                     <a:p>
                       <a:pPr marL="0" lvl="0" indent="0" algn="l" rtl="0">
@@ -5683,7 +5699,15 @@
                         </a:spcAft>
                         <a:buNone/>
                       </a:pPr>
-                      <a:endParaRPr sz="1200" dirty="0"/>
+                      <a:endParaRPr lang="en-US" sz="1000" b="0" i="0" u="none" strike="noStrike" cap="none" dirty="0">
+                        <a:solidFill>
+                          <a:srgbClr val="000000"/>
+                        </a:solidFill>
+                        <a:latin typeface="Arial"/>
+                        <a:ea typeface="Arial"/>
+                        <a:cs typeface="Arial"/>
+                        <a:sym typeface="Arial"/>
+                      </a:endParaRPr>
                     </a:p>
                     <a:p>
                       <a:pPr marL="0" lvl="0" indent="0" algn="l" rtl="0">
@@ -5696,24 +5720,16 @@
                         <a:buNone/>
                       </a:pPr>
                       <a:r>
-                        <a:rPr lang="en" sz="1200" dirty="0"/>
-                        <a:t>Sprint:</a:t>
-                      </a:r>
-                      <a:endParaRPr sz="1200" dirty="0"/>
-                    </a:p>
-                    <a:p>
-                      <a:pPr marL="0" lvl="0" indent="0" algn="l" rtl="0">
-                        <a:spcBef>
-                          <a:spcPts val="0"/>
-                        </a:spcBef>
-                        <a:spcAft>
-                          <a:spcPts val="0"/>
-                        </a:spcAft>
-                        <a:buNone/>
-                      </a:pPr>
-                      <a:r>
-                        <a:rPr lang="en" sz="1200" dirty="0"/>
-                        <a:t>Team #:</a:t>
+                        <a:rPr lang="en-US" sz="1000" b="0" i="0" u="none" strike="noStrike" cap="none" dirty="0">
+                          <a:solidFill>
+                            <a:srgbClr val="000000"/>
+                          </a:solidFill>
+                          <a:latin typeface="Arial"/>
+                          <a:ea typeface="Arial"/>
+                          <a:cs typeface="Arial"/>
+                          <a:sym typeface="Arial"/>
+                        </a:rPr>
+                        <a:t>Sprint: 2</a:t>
                       </a:r>
                     </a:p>
                     <a:p>
@@ -5727,10 +5743,17 @@
                         <a:buNone/>
                       </a:pPr>
                       <a:r>
-                        <a:rPr lang="en" sz="1200" dirty="0"/>
-                        <a:t>Team Members:</a:t>
+                        <a:rPr lang="en-US" sz="1000" b="0" i="0" u="none" strike="noStrike" cap="none" dirty="0">
+                          <a:solidFill>
+                            <a:srgbClr val="000000"/>
+                          </a:solidFill>
+                          <a:latin typeface="Arial"/>
+                          <a:ea typeface="Arial"/>
+                          <a:cs typeface="Arial"/>
+                          <a:sym typeface="Arial"/>
+                        </a:rPr>
+                        <a:t>Team #: 3</a:t>
                       </a:r>
-                      <a:endParaRPr sz="1200" dirty="0"/>
                     </a:p>
                     <a:p>
                       <a:pPr marL="0" lvl="0" indent="0" algn="l" rtl="0">
@@ -5743,10 +5766,106 @@
                         <a:buNone/>
                       </a:pPr>
                       <a:r>
-                        <a:rPr lang="en" sz="1200"/>
-                        <a:t>Software Title:</a:t>
+                        <a:rPr lang="en-US" sz="1000" b="0" i="0" u="none" strike="noStrike" cap="none" dirty="0">
+                          <a:solidFill>
+                            <a:srgbClr val="000000"/>
+                          </a:solidFill>
+                          <a:latin typeface="Arial"/>
+                          <a:ea typeface="Arial"/>
+                          <a:cs typeface="Arial"/>
+                          <a:sym typeface="Arial"/>
+                        </a:rPr>
+                        <a:t>Team Members: Alexis, Ben, Dylan, Jonathan, Kevin, Logan</a:t>
                       </a:r>
-                      <a:endParaRPr sz="1200" dirty="0"/>
+                    </a:p>
+                    <a:p>
+                      <a:pPr marL="0" marR="0" lvl="0" indent="0" algn="l" defTabSz="914400" rtl="0" eaLnBrk="1" fontAlgn="auto" latinLnBrk="0" hangingPunct="1">
+                        <a:lnSpc>
+                          <a:spcPct val="100000"/>
+                        </a:lnSpc>
+                        <a:spcBef>
+                          <a:spcPts val="0"/>
+                        </a:spcBef>
+                        <a:spcAft>
+                          <a:spcPts val="0"/>
+                        </a:spcAft>
+                        <a:buClr>
+                          <a:srgbClr val="000000"/>
+                        </a:buClr>
+                        <a:buSzTx/>
+                        <a:buFont typeface="Arial"/>
+                        <a:buNone/>
+                        <a:tabLst/>
+                        <a:defRPr/>
+                      </a:pPr>
+                      <a:r>
+                        <a:rPr lang="en-US" sz="1000" b="0" i="0" u="none" strike="noStrike" cap="none" dirty="0">
+                          <a:solidFill>
+                            <a:srgbClr val="000000"/>
+                          </a:solidFill>
+                          <a:latin typeface="Arial"/>
+                          <a:ea typeface="Arial"/>
+                          <a:cs typeface="Arial"/>
+                          <a:sym typeface="Arial"/>
+                        </a:rPr>
+                        <a:t>Software Title: GoalGetter - </a:t>
+                      </a:r>
+                      <a:r>
+                        <a:rPr lang="en-US" sz="1000" b="0" i="0" u="none" strike="noStrike" cap="none" dirty="0">
+                          <a:solidFill>
+                            <a:srgbClr val="000000"/>
+                          </a:solidFill>
+                          <a:effectLst/>
+                          <a:latin typeface="Arial"/>
+                          <a:ea typeface="Arial"/>
+                          <a:cs typeface="Arial"/>
+                          <a:sym typeface="Arial"/>
+                        </a:rPr>
+                        <a:t>Make Goals Better</a:t>
+                      </a:r>
+                      <a:endParaRPr lang="en-US" sz="1000" b="0" i="0" u="none" strike="noStrike" cap="none" dirty="0">
+                        <a:solidFill>
+                          <a:srgbClr val="000000"/>
+                        </a:solidFill>
+                        <a:latin typeface="Arial"/>
+                        <a:ea typeface="Arial"/>
+                        <a:cs typeface="Arial"/>
+                        <a:sym typeface="Arial"/>
+                      </a:endParaRPr>
+                    </a:p>
+                    <a:p>
+                      <a:pPr marL="0" marR="0" lvl="0" indent="0" algn="l" defTabSz="914400" rtl="0" eaLnBrk="1" fontAlgn="auto" latinLnBrk="0" hangingPunct="1">
+                        <a:lnSpc>
+                          <a:spcPct val="100000"/>
+                        </a:lnSpc>
+                        <a:spcBef>
+                          <a:spcPts val="0"/>
+                        </a:spcBef>
+                        <a:spcAft>
+                          <a:spcPts val="0"/>
+                        </a:spcAft>
+                        <a:buClr>
+                          <a:srgbClr val="000000"/>
+                        </a:buClr>
+                        <a:buSzTx/>
+                        <a:buFont typeface="Arial"/>
+                        <a:buNone/>
+                        <a:tabLst/>
+                        <a:defRPr/>
+                      </a:pPr>
+                      <a:r>
+                        <a:rPr lang="en-US" sz="1000" b="0" i="0" u="none" strike="noStrike" cap="none" dirty="0">
+                          <a:solidFill>
+                            <a:srgbClr val="000000"/>
+                          </a:solidFill>
+                          <a:latin typeface="Arial"/>
+                          <a:ea typeface="Arial"/>
+                          <a:cs typeface="Arial"/>
+                          <a:sym typeface="Arial"/>
+                        </a:rPr>
+                        <a:t>Language/Framework/Library: Unity, C#, VSCode, Jira, GitHub</a:t>
+                      </a:r>
+                      <a:endParaRPr lang="en-US" sz="1000" u="none" dirty="0"/>
                     </a:p>
                     <a:p>
                       <a:pPr marL="0" lvl="0" indent="0" algn="l" rtl="0">
@@ -5758,34 +5877,7 @@
                         </a:spcAft>
                         <a:buNone/>
                       </a:pPr>
-                      <a:r>
-                        <a:rPr lang="en" sz="1200" dirty="0"/>
-                        <a:t>Language/Framework/Library:</a:t>
-                      </a:r>
-                    </a:p>
-                    <a:p>
-                      <a:pPr marL="0" lvl="0" indent="0" algn="l" rtl="0">
-                        <a:spcBef>
-                          <a:spcPts val="0"/>
-                        </a:spcBef>
-                        <a:spcAft>
-                          <a:spcPts val="0"/>
-                        </a:spcAft>
-                        <a:buNone/>
-                      </a:pPr>
-                      <a:endParaRPr lang="en-US" sz="1200" dirty="0"/>
-                    </a:p>
-                    <a:p>
-                      <a:pPr marL="0" lvl="0" indent="0" algn="l" rtl="0">
-                        <a:spcBef>
-                          <a:spcPts val="0"/>
-                        </a:spcBef>
-                        <a:spcAft>
-                          <a:spcPts val="0"/>
-                        </a:spcAft>
-                        <a:buNone/>
-                      </a:pPr>
-                      <a:endParaRPr sz="1200" dirty="0"/>
+                      <a:endParaRPr sz="1000" u="none" dirty="0"/>
                     </a:p>
                   </a:txBody>
                   <a:tcPr marL="91425" marR="91425" marT="91425" marB="91425"/>
@@ -5805,10 +5897,10 @@
                         <a:buNone/>
                       </a:pPr>
                       <a:r>
-                        <a:rPr lang="en" sz="1200" b="1" u="sng" dirty="0"/>
+                        <a:rPr lang="en" sz="1000" b="1" u="none" dirty="0"/>
                         <a:t>Accomplishments this Sprint</a:t>
                       </a:r>
-                      <a:endParaRPr sz="1200" b="1" u="sng" dirty="0"/>
+                      <a:endParaRPr sz="1000" b="1" u="none" dirty="0"/>
                     </a:p>
                     <a:p>
                       <a:pPr marL="0" lvl="0" indent="0" algn="l" rtl="0">
@@ -5820,7 +5912,7 @@
                         </a:spcAft>
                         <a:buNone/>
                       </a:pPr>
-                      <a:endParaRPr sz="1200" b="1" u="sng" dirty="0"/>
+                      <a:endParaRPr sz="1000" b="1" u="none" dirty="0"/>
                     </a:p>
                     <a:p>
                       <a:pPr marL="457200" lvl="0" indent="-317500" algn="l" rtl="0">
@@ -5834,10 +5926,9 @@
                         <a:buChar char="●"/>
                       </a:pPr>
                       <a:r>
-                        <a:rPr lang="en" sz="1200" dirty="0"/>
-                        <a:t>Item 1</a:t>
+                        <a:rPr lang="en-US" sz="1000" u="none" dirty="0"/>
+                        <a:t>Weekly meetings</a:t>
                       </a:r>
-                      <a:endParaRPr sz="1200" dirty="0"/>
                     </a:p>
                     <a:p>
                       <a:pPr marL="457200" lvl="0" indent="-317500" algn="l" rtl="0">
@@ -5851,61 +5942,10 @@
                         <a:buChar char="●"/>
                       </a:pPr>
                       <a:r>
-                        <a:rPr lang="en" sz="1200" dirty="0"/>
-                        <a:t>Item 2</a:t>
+                        <a:rPr lang="en-US" sz="1000" u="none" dirty="0"/>
+                        <a:t>Nearly all basic programming finished</a:t>
                       </a:r>
-                      <a:endParaRPr sz="1200" dirty="0"/>
-                    </a:p>
-                    <a:p>
-                      <a:pPr marL="457200" lvl="0" indent="-317500" algn="l" rtl="0">
-                        <a:spcBef>
-                          <a:spcPts val="0"/>
-                        </a:spcBef>
-                        <a:spcAft>
-                          <a:spcPts val="0"/>
-                        </a:spcAft>
-                        <a:buSzPts val="1400"/>
-                        <a:buChar char="●"/>
-                      </a:pPr>
-                      <a:r>
-                        <a:rPr lang="en" sz="1200" dirty="0"/>
-                        <a:t>Item 3</a:t>
-                      </a:r>
-                      <a:endParaRPr sz="1200" dirty="0"/>
-                    </a:p>
-                    <a:p>
-                      <a:pPr marL="457200" lvl="0" indent="-317500" algn="l" rtl="0">
-                        <a:spcBef>
-                          <a:spcPts val="0"/>
-                        </a:spcBef>
-                        <a:spcAft>
-                          <a:spcPts val="0"/>
-                        </a:spcAft>
-                        <a:buSzPts val="1400"/>
-                        <a:buChar char="●"/>
-                      </a:pPr>
-                      <a:r>
-                        <a:rPr lang="en" sz="1200" dirty="0"/>
-                        <a:t>Item 4</a:t>
-                      </a:r>
-                      <a:endParaRPr sz="1200" dirty="0"/>
-                    </a:p>
-                    <a:p>
-                      <a:pPr marL="457200" lvl="0" indent="-317500" algn="l" rtl="0">
-                        <a:spcBef>
-                          <a:spcPts val="0"/>
-                        </a:spcBef>
-                        <a:spcAft>
-                          <a:spcPts val="0"/>
-                        </a:spcAft>
-                        <a:buSzPts val="1400"/>
-                        <a:buChar char="●"/>
-                      </a:pPr>
-                      <a:r>
-                        <a:rPr lang="en" sz="1200" dirty="0"/>
-                        <a:t>…</a:t>
-                      </a:r>
-                      <a:endParaRPr sz="1200" dirty="0"/>
+                      <a:endParaRPr sz="1000" u="none" dirty="0"/>
                     </a:p>
                   </a:txBody>
                   <a:tcPr marL="91425" marR="91425" marT="91425" marB="91425"/>
@@ -5932,14 +5972,14 @@
                         <a:buNone/>
                       </a:pPr>
                       <a:r>
-                        <a:rPr lang="en" sz="1200" b="1" u="sng" dirty="0">
+                        <a:rPr lang="en" sz="1000" b="1" u="none" dirty="0">
                           <a:solidFill>
                             <a:schemeClr val="dk1"/>
                           </a:solidFill>
                         </a:rPr>
                         <a:t>Current Issues</a:t>
                       </a:r>
-                      <a:endParaRPr sz="1200" b="1" u="sng" dirty="0">
+                      <a:endParaRPr sz="1000" b="1" u="none" dirty="0">
                         <a:solidFill>
                           <a:schemeClr val="dk1"/>
                         </a:solidFill>
@@ -5955,7 +5995,7 @@
                         </a:spcAft>
                         <a:buNone/>
                       </a:pPr>
-                      <a:endParaRPr sz="1200" u="sng" dirty="0">
+                      <a:endParaRPr sz="1000" u="none" dirty="0">
                         <a:solidFill>
                           <a:schemeClr val="dk1"/>
                         </a:solidFill>
@@ -5976,18 +6016,13 @@
                         <a:buChar char="●"/>
                       </a:pPr>
                       <a:r>
-                        <a:rPr lang="en" sz="1200" dirty="0">
+                        <a:rPr lang="en-US" sz="1000" u="none" dirty="0">
                           <a:solidFill>
                             <a:schemeClr val="dk1"/>
                           </a:solidFill>
                         </a:rPr>
-                        <a:t>Item 1</a:t>
+                        <a:t>Task division</a:t>
                       </a:r>
-                      <a:endParaRPr sz="1200" dirty="0">
-                        <a:solidFill>
-                          <a:schemeClr val="dk1"/>
-                        </a:solidFill>
-                      </a:endParaRPr>
                     </a:p>
                     <a:p>
                       <a:pPr marL="457200" lvl="0" indent="-317500" algn="l" rtl="0">
@@ -6004,133 +6039,14 @@
                         <a:buChar char="●"/>
                       </a:pPr>
                       <a:r>
-                        <a:rPr lang="en" sz="1200" dirty="0">
+                        <a:rPr lang="en-US" sz="1000" u="none" dirty="0">
                           <a:solidFill>
                             <a:schemeClr val="dk1"/>
                           </a:solidFill>
                         </a:rPr>
-                        <a:t>Item 2</a:t>
+                        <a:t>Bugs within our own Unity files</a:t>
                       </a:r>
-                      <a:endParaRPr sz="1200" dirty="0">
-                        <a:solidFill>
-                          <a:schemeClr val="dk1"/>
-                        </a:solidFill>
-                      </a:endParaRPr>
-                    </a:p>
-                    <a:p>
-                      <a:pPr marL="457200" lvl="0" indent="-317500" algn="l" rtl="0">
-                        <a:spcBef>
-                          <a:spcPts val="0"/>
-                        </a:spcBef>
-                        <a:spcAft>
-                          <a:spcPts val="0"/>
-                        </a:spcAft>
-                        <a:buClr>
-                          <a:schemeClr val="dk1"/>
-                        </a:buClr>
-                        <a:buSzPts val="1400"/>
-                        <a:buChar char="●"/>
-                      </a:pPr>
-                      <a:r>
-                        <a:rPr lang="en" sz="1200" dirty="0">
-                          <a:solidFill>
-                            <a:schemeClr val="dk1"/>
-                          </a:solidFill>
-                        </a:rPr>
-                        <a:t>Item 3</a:t>
-                      </a:r>
-                      <a:endParaRPr sz="1200" dirty="0">
-                        <a:solidFill>
-                          <a:schemeClr val="dk1"/>
-                        </a:solidFill>
-                      </a:endParaRPr>
-                    </a:p>
-                    <a:p>
-                      <a:pPr marL="457200" lvl="0" indent="-317500" algn="l" rtl="0">
-                        <a:spcBef>
-                          <a:spcPts val="0"/>
-                        </a:spcBef>
-                        <a:spcAft>
-                          <a:spcPts val="0"/>
-                        </a:spcAft>
-                        <a:buClr>
-                          <a:schemeClr val="dk1"/>
-                        </a:buClr>
-                        <a:buSzPts val="1400"/>
-                        <a:buChar char="●"/>
-                      </a:pPr>
-                      <a:r>
-                        <a:rPr lang="en" sz="1200" dirty="0">
-                          <a:solidFill>
-                            <a:schemeClr val="dk1"/>
-                          </a:solidFill>
-                        </a:rPr>
-                        <a:t>Item 4</a:t>
-                      </a:r>
-                      <a:endParaRPr sz="1200" dirty="0">
-                        <a:solidFill>
-                          <a:schemeClr val="dk1"/>
-                        </a:solidFill>
-                      </a:endParaRPr>
-                    </a:p>
-                    <a:p>
-                      <a:pPr marL="457200" lvl="0" indent="-317500" algn="l" rtl="0">
-                        <a:spcBef>
-                          <a:spcPts val="0"/>
-                        </a:spcBef>
-                        <a:spcAft>
-                          <a:spcPts val="0"/>
-                        </a:spcAft>
-                        <a:buClr>
-                          <a:schemeClr val="dk1"/>
-                        </a:buClr>
-                        <a:buSzPts val="1400"/>
-                        <a:buChar char="●"/>
-                      </a:pPr>
-                      <a:r>
-                        <a:rPr lang="en" sz="1200" dirty="0">
-                          <a:solidFill>
-                            <a:schemeClr val="dk1"/>
-                          </a:solidFill>
-                        </a:rPr>
-                        <a:t>…</a:t>
-                      </a:r>
-                    </a:p>
-                    <a:p>
-                      <a:pPr marL="139700" lvl="0" indent="0" algn="l" rtl="0">
-                        <a:spcBef>
-                          <a:spcPts val="0"/>
-                        </a:spcBef>
-                        <a:spcAft>
-                          <a:spcPts val="0"/>
-                        </a:spcAft>
-                        <a:buClr>
-                          <a:schemeClr val="dk1"/>
-                        </a:buClr>
-                        <a:buSzPts val="1400"/>
-                        <a:buNone/>
-                      </a:pPr>
-                      <a:endParaRPr lang="en" sz="1200" dirty="0">
-                        <a:solidFill>
-                          <a:schemeClr val="dk1"/>
-                        </a:solidFill>
-                      </a:endParaRPr>
-                    </a:p>
-                    <a:p>
-                      <a:pPr marL="139700" lvl="0" indent="0" algn="l" rtl="0">
-                        <a:spcBef>
-                          <a:spcPts val="0"/>
-                        </a:spcBef>
-                        <a:spcAft>
-                          <a:spcPts val="0"/>
-                        </a:spcAft>
-                        <a:buClr>
-                          <a:schemeClr val="dk1"/>
-                        </a:buClr>
-                        <a:buSzPts val="1400"/>
-                        <a:buNone/>
-                      </a:pPr>
-                      <a:endParaRPr sz="1200" dirty="0">
+                      <a:endParaRPr lang="en" sz="1000" u="none" dirty="0">
                         <a:solidFill>
                           <a:schemeClr val="dk1"/>
                         </a:solidFill>
@@ -6154,10 +6070,10 @@
                         <a:buNone/>
                       </a:pPr>
                       <a:r>
-                        <a:rPr lang="en" sz="1200" b="1" u="sng" dirty="0"/>
+                        <a:rPr lang="en" sz="1000" b="1" u="none" dirty="0"/>
                         <a:t>Plan for Next Sprint</a:t>
                       </a:r>
-                      <a:endParaRPr sz="1200" b="1" u="sng" dirty="0"/>
+                      <a:endParaRPr sz="1000" b="1" u="none" dirty="0"/>
                     </a:p>
                     <a:p>
                       <a:pPr marL="0" lvl="0" indent="0" algn="l" rtl="0">
@@ -6169,7 +6085,7 @@
                         </a:spcAft>
                         <a:buNone/>
                       </a:pPr>
-                      <a:endParaRPr sz="1200" b="1" u="sng" dirty="0"/>
+                      <a:endParaRPr sz="1000" b="1" u="none" dirty="0"/>
                     </a:p>
                     <a:p>
                       <a:pPr marL="457200" lvl="0" indent="-317500" algn="l" rtl="0">
@@ -6183,10 +6099,9 @@
                         <a:buChar char="●"/>
                       </a:pPr>
                       <a:r>
-                        <a:rPr lang="en" sz="1200" dirty="0"/>
-                        <a:t>Item 1</a:t>
+                        <a:rPr lang="en-US" sz="1000" u="none" dirty="0"/>
+                        <a:t>Bringing our code &amp; UI together</a:t>
                       </a:r>
-                      <a:endParaRPr sz="1200" dirty="0"/>
                     </a:p>
                     <a:p>
                       <a:pPr marL="457200" lvl="0" indent="-317500" algn="l" rtl="0">
@@ -6200,10 +6115,10 @@
                         <a:buChar char="●"/>
                       </a:pPr>
                       <a:r>
-                        <a:rPr lang="en" sz="1200" dirty="0"/>
-                        <a:t>Item 2</a:t>
+                        <a:rPr lang="en-US" sz="1000" u="none" dirty="0"/>
+                        <a:t>Create &amp; work on SQL database:</a:t>
                       </a:r>
-                      <a:endParaRPr sz="1200" dirty="0"/>
+                      <a:endParaRPr sz="1000" u="none" dirty="0"/>
                     </a:p>
                     <a:p>
                       <a:pPr marL="457200" lvl="0" indent="-317500" algn="l" rtl="0">
@@ -6217,10 +6132,10 @@
                         <a:buChar char="●"/>
                       </a:pPr>
                       <a:r>
-                        <a:rPr lang="en" sz="1200" dirty="0"/>
-                        <a:t>Item 3</a:t>
+                        <a:rPr lang="en-US" sz="1000" u="none" dirty="0"/>
+                        <a:t>Stores asset names for clothing</a:t>
                       </a:r>
-                      <a:endParaRPr sz="1200" dirty="0"/>
+                      <a:endParaRPr sz="1000" u="none" dirty="0"/>
                     </a:p>
                     <a:p>
                       <a:pPr marL="457200" lvl="0" indent="-317500" algn="l" rtl="0">
@@ -6234,27 +6149,10 @@
                         <a:buChar char="●"/>
                       </a:pPr>
                       <a:r>
-                        <a:rPr lang="en" sz="1200" dirty="0"/>
-                        <a:t>Item 4</a:t>
+                        <a:rPr lang="en-US" sz="1000" u="none" dirty="0"/>
+                        <a:t>Uses scripts to call clothing names and implements them in dropdown menus</a:t>
                       </a:r>
-                      <a:endParaRPr sz="1200" dirty="0"/>
-                    </a:p>
-                    <a:p>
-                      <a:pPr marL="457200" lvl="0" indent="-317500" algn="l" rtl="0">
-                        <a:spcBef>
-                          <a:spcPts val="0"/>
-                        </a:spcBef>
-                        <a:spcAft>
-                          <a:spcPts val="0"/>
-                        </a:spcAft>
-                        <a:buSzPts val="1400"/>
-                        <a:buChar char="●"/>
-                      </a:pPr>
-                      <a:r>
-                        <a:rPr lang="en" sz="1200" dirty="0"/>
-                        <a:t>…</a:t>
-                      </a:r>
-                      <a:endParaRPr sz="1200" dirty="0"/>
+                      <a:endParaRPr sz="1000" u="none" dirty="0"/>
                     </a:p>
                   </a:txBody>
                   <a:tcPr marL="91425" marR="91425" marT="91425" marB="91425"/>
